--- a/assets/img/icon.pptx
+++ b/assets/img/icon.pptx
@@ -104,6 +104,11 @@
       </a:defRPr>
     </a:lvl9pPr>
   </p:defaultTextStyle>
+  <p:extLst>
+    <p:ext uri="{EFAFB233-063F-42B5-8137-9DF3F51BA10A}">
+      <p15:sldGuideLst xmlns:p15="http://schemas.microsoft.com/office/powerpoint/2012/main"/>
+    </p:ext>
+  </p:extLst>
 </p:presentation>
 </file>
 
@@ -3354,12 +3359,12 @@
               <a:rPr lang="en-US" altLang="zh-CN" sz="5400" b="1" dirty="0">
                 <a:ln w="22225">
                   <a:solidFill>
-                    <a:srgbClr val="E66D50"/>
+                    <a:srgbClr val="2698BA"/>
                   </a:solidFill>
                   <a:prstDash val="solid"/>
                 </a:ln>
                 <a:solidFill>
-                  <a:srgbClr val="E66D50"/>
+                  <a:srgbClr val="2698BA"/>
                 </a:solidFill>
                 <a:effectLst>
                   <a:innerShdw blurRad="63500" dist="50800" dir="13500000">
@@ -3375,12 +3380,12 @@
             <a:endParaRPr lang="zh-CN" altLang="en-US" sz="5400" b="1" dirty="0">
               <a:ln w="22225">
                 <a:solidFill>
-                  <a:srgbClr val="E66D50"/>
+                  <a:srgbClr val="2698BA"/>
                 </a:solidFill>
                 <a:prstDash val="solid"/>
               </a:ln>
               <a:solidFill>
-                <a:srgbClr val="E66D50"/>
+                <a:srgbClr val="2698BA"/>
               </a:solidFill>
               <a:effectLst>
                 <a:innerShdw blurRad="63500" dist="50800" dir="13500000">
